--- a/presentation/Präsentation.pptx
+++ b/presentation/Präsentation.pptx
@@ -6899,12 +6899,6 @@
           <a:p>
             <a:pPr/>
             <a:r>
-              <a:t>Personalisiertes Dashboard</a:t>
-            </a:r>
-          </a:p>
-          <a:p>
-            <a:pPr/>
-            <a:r>
               <a:t>Artikel über Hard und Software Anforderungen</a:t>
             </a:r>
           </a:p>
@@ -6912,6 +6906,12 @@
             <a:pPr/>
             <a:r>
               <a:t>About Us Seite</a:t>
+            </a:r>
+          </a:p>
+          <a:p>
+            <a:pPr/>
+            <a:r>
+              <a:t>Konsole in Lessons</a:t>
             </a:r>
           </a:p>
         </p:txBody>
